--- a/ComputerClasses/ComputerClass01/slides/MY457_intro_seminars.pptx
+++ b/ComputerClasses/ComputerClass01/slides/MY457_intro_seminars.pptx
@@ -17161,7 +17161,7 @@
                   <a:latin typeface="Calibri" panose="020F0502020204030204" pitchFamily="34" charset="0"/>
                   <a:cs typeface="Calibri" panose="020F0502020204030204" pitchFamily="34" charset="0"/>
                 </a:rPr>
-                <a:t>computer class 2 (week 4)</a:t>
+                <a:t>computer class 3 (week 7)</a:t>
               </a:r>
             </a:p>
           </p:txBody>
@@ -17271,7 +17271,7 @@
                   <a:latin typeface="Calibri" panose="020F0502020204030204" pitchFamily="34" charset="0"/>
                   <a:cs typeface="Calibri" panose="020F0502020204030204" pitchFamily="34" charset="0"/>
                 </a:rPr>
-                <a:t>computer class 3 (week 7)</a:t>
+                <a:t>computer class 2 (week 4)</a:t>
               </a:r>
             </a:p>
           </p:txBody>
